--- a/giblog_logo_image_text.pp.pptx
+++ b/giblog_logo_image_text.pp.pptx
@@ -104,6 +104,11 @@
       </a:defRPr>
     </a:lvl9pPr>
   </p:defaultTextStyle>
+  <p:extLst>
+    <p:ext uri="{EFAFB233-063F-42B5-8137-9DF3F51BA10A}">
+      <p15:sldGuideLst xmlns:p15="http://schemas.microsoft.com/office/powerpoint/2012/main"/>
+    </p:ext>
+  </p:extLst>
 </p:presentation>
 </file>
 
@@ -254,7 +259,7 @@
           <a:p>
             <a:fld id="{89F49642-A664-421D-94C8-E5067EEEA4ED}" type="datetimeFigureOut">
               <a:rPr kumimoji="1" lang="ja-JP" altLang="en-US" smtClean="0"/>
-              <a:t>2019/6/25</a:t>
+              <a:t>2019/7/6</a:t>
             </a:fld>
             <a:endParaRPr kumimoji="1" lang="ja-JP" altLang="en-US"/>
           </a:p>
@@ -484,7 +489,7 @@
           <a:p>
             <a:fld id="{89F49642-A664-421D-94C8-E5067EEEA4ED}" type="datetimeFigureOut">
               <a:rPr kumimoji="1" lang="ja-JP" altLang="en-US" smtClean="0"/>
-              <a:t>2019/6/25</a:t>
+              <a:t>2019/7/6</a:t>
             </a:fld>
             <a:endParaRPr kumimoji="1" lang="ja-JP" altLang="en-US"/>
           </a:p>
@@ -724,7 +729,7 @@
           <a:p>
             <a:fld id="{89F49642-A664-421D-94C8-E5067EEEA4ED}" type="datetimeFigureOut">
               <a:rPr kumimoji="1" lang="ja-JP" altLang="en-US" smtClean="0"/>
-              <a:t>2019/6/25</a:t>
+              <a:t>2019/7/6</a:t>
             </a:fld>
             <a:endParaRPr kumimoji="1" lang="ja-JP" altLang="en-US"/>
           </a:p>
@@ -954,7 +959,7 @@
           <a:p>
             <a:fld id="{89F49642-A664-421D-94C8-E5067EEEA4ED}" type="datetimeFigureOut">
               <a:rPr kumimoji="1" lang="ja-JP" altLang="en-US" smtClean="0"/>
-              <a:t>2019/6/25</a:t>
+              <a:t>2019/7/6</a:t>
             </a:fld>
             <a:endParaRPr kumimoji="1" lang="ja-JP" altLang="en-US"/>
           </a:p>
@@ -1229,7 +1234,7 @@
           <a:p>
             <a:fld id="{89F49642-A664-421D-94C8-E5067EEEA4ED}" type="datetimeFigureOut">
               <a:rPr kumimoji="1" lang="ja-JP" altLang="en-US" smtClean="0"/>
-              <a:t>2019/6/25</a:t>
+              <a:t>2019/7/6</a:t>
             </a:fld>
             <a:endParaRPr kumimoji="1" lang="ja-JP" altLang="en-US"/>
           </a:p>
@@ -1558,7 +1563,7 @@
           <a:p>
             <a:fld id="{89F49642-A664-421D-94C8-E5067EEEA4ED}" type="datetimeFigureOut">
               <a:rPr kumimoji="1" lang="ja-JP" altLang="en-US" smtClean="0"/>
-              <a:t>2019/6/25</a:t>
+              <a:t>2019/7/6</a:t>
             </a:fld>
             <a:endParaRPr kumimoji="1" lang="ja-JP" altLang="en-US"/>
           </a:p>
@@ -2034,7 +2039,7 @@
           <a:p>
             <a:fld id="{89F49642-A664-421D-94C8-E5067EEEA4ED}" type="datetimeFigureOut">
               <a:rPr kumimoji="1" lang="ja-JP" altLang="en-US" smtClean="0"/>
-              <a:t>2019/6/25</a:t>
+              <a:t>2019/7/6</a:t>
             </a:fld>
             <a:endParaRPr kumimoji="1" lang="ja-JP" altLang="en-US"/>
           </a:p>
@@ -2175,7 +2180,7 @@
           <a:p>
             <a:fld id="{89F49642-A664-421D-94C8-E5067EEEA4ED}" type="datetimeFigureOut">
               <a:rPr kumimoji="1" lang="ja-JP" altLang="en-US" smtClean="0"/>
-              <a:t>2019/6/25</a:t>
+              <a:t>2019/7/6</a:t>
             </a:fld>
             <a:endParaRPr kumimoji="1" lang="ja-JP" altLang="en-US"/>
           </a:p>
@@ -2288,7 +2293,7 @@
           <a:p>
             <a:fld id="{89F49642-A664-421D-94C8-E5067EEEA4ED}" type="datetimeFigureOut">
               <a:rPr kumimoji="1" lang="ja-JP" altLang="en-US" smtClean="0"/>
-              <a:t>2019/6/25</a:t>
+              <a:t>2019/7/6</a:t>
             </a:fld>
             <a:endParaRPr kumimoji="1" lang="ja-JP" altLang="en-US"/>
           </a:p>
@@ -2631,7 +2636,7 @@
           <a:p>
             <a:fld id="{89F49642-A664-421D-94C8-E5067EEEA4ED}" type="datetimeFigureOut">
               <a:rPr kumimoji="1" lang="ja-JP" altLang="en-US" smtClean="0"/>
-              <a:t>2019/6/25</a:t>
+              <a:t>2019/7/6</a:t>
             </a:fld>
             <a:endParaRPr kumimoji="1" lang="ja-JP" altLang="en-US"/>
           </a:p>
@@ -2919,7 +2924,7 @@
           <a:p>
             <a:fld id="{89F49642-A664-421D-94C8-E5067EEEA4ED}" type="datetimeFigureOut">
               <a:rPr kumimoji="1" lang="ja-JP" altLang="en-US" smtClean="0"/>
-              <a:t>2019/6/25</a:t>
+              <a:t>2019/7/6</a:t>
             </a:fld>
             <a:endParaRPr kumimoji="1" lang="ja-JP" altLang="en-US"/>
           </a:p>
@@ -3192,7 +3197,7 @@
           <a:p>
             <a:fld id="{89F49642-A664-421D-94C8-E5067EEEA4ED}" type="datetimeFigureOut">
               <a:rPr kumimoji="1" lang="ja-JP" altLang="en-US" smtClean="0"/>
-              <a:t>2019/6/25</a:t>
+              <a:t>2019/7/6</a:t>
             </a:fld>
             <a:endParaRPr kumimoji="1" lang="ja-JP" altLang="en-US"/>
           </a:p>
@@ -3630,12 +3635,10 @@
             <a:avLst/>
           </a:prstGeom>
           <a:solidFill>
-            <a:schemeClr val="tx1"/>
+            <a:srgbClr val="339966"/>
           </a:solidFill>
           <a:ln>
-            <a:solidFill>
-              <a:schemeClr val="tx1"/>
-            </a:solidFill>
+            <a:noFill/>
           </a:ln>
         </p:spPr>
         <p:style>
@@ -3686,12 +3689,10 @@
             </a:avLst>
           </a:prstGeom>
           <a:solidFill>
-            <a:schemeClr val="tx1"/>
+            <a:srgbClr val="339966"/>
           </a:solidFill>
           <a:ln>
-            <a:solidFill>
-              <a:schemeClr val="tx1"/>
-            </a:solidFill>
+            <a:noFill/>
           </a:ln>
         </p:spPr>
         <p:style>
@@ -3883,60 +3884,6 @@
       </p:sp>
       <p:sp>
         <p:nvSpPr>
-          <p:cNvPr id="13" name="月 12">
-            <a:extLst>
-              <a:ext uri="{FF2B5EF4-FFF2-40B4-BE49-F238E27FC236}">
-                <a16:creationId xmlns:a16="http://schemas.microsoft.com/office/drawing/2014/main" id="{86879A8E-0F14-4DE7-89F1-BE732B3EADFF}"/>
-              </a:ext>
-            </a:extLst>
-          </p:cNvPr>
-          <p:cNvSpPr/>
-          <p:nvPr/>
-        </p:nvSpPr>
-        <p:spPr>
-          <a:xfrm rot="16200000">
-            <a:off x="4711021" y="2242862"/>
-            <a:ext cx="68934" cy="333354"/>
-          </a:xfrm>
-          <a:prstGeom prst="moon">
-            <a:avLst/>
-          </a:prstGeom>
-          <a:solidFill>
-            <a:schemeClr val="bg1"/>
-          </a:solidFill>
-          <a:ln>
-            <a:solidFill>
-              <a:schemeClr val="bg1"/>
-            </a:solidFill>
-          </a:ln>
-        </p:spPr>
-        <p:style>
-          <a:lnRef idx="2">
-            <a:schemeClr val="accent1">
-              <a:shade val="50000"/>
-            </a:schemeClr>
-          </a:lnRef>
-          <a:fillRef idx="1">
-            <a:schemeClr val="accent1"/>
-          </a:fillRef>
-          <a:effectRef idx="0">
-            <a:schemeClr val="accent1"/>
-          </a:effectRef>
-          <a:fontRef idx="minor">
-            <a:schemeClr val="lt1"/>
-          </a:fontRef>
-        </p:style>
-        <p:txBody>
-          <a:bodyPr rtlCol="0" anchor="ctr"/>
-          <a:lstStyle/>
-          <a:p>
-            <a:pPr algn="ctr"/>
-            <a:endParaRPr kumimoji="1" lang="ja-JP" altLang="en-US"/>
-          </a:p>
-        </p:txBody>
-      </p:sp>
-      <p:sp>
-        <p:nvSpPr>
           <p:cNvPr id="15" name="テキスト ボックス 14">
             <a:extLst>
               <a:ext uri="{FF2B5EF4-FFF2-40B4-BE49-F238E27FC236}">
@@ -3950,7 +3897,7 @@
         <p:spPr>
           <a:xfrm>
             <a:off x="4965645" y="2680536"/>
-            <a:ext cx="2873828" cy="584775"/>
+            <a:ext cx="1435155" cy="584775"/>
           </a:xfrm>
           <a:prstGeom prst="rect">
             <a:avLst/>
